--- a/팀프로젝트.pptx
+++ b/팀프로젝트.pptx
@@ -2424,8 +2424,8 @@
         </p:nvSpPr>
         <p:spPr>
           <a:xfrm>
-            <a:off x="3492422" y="3429000"/>
-            <a:ext cx="5192191" cy="369332"/>
+            <a:off x="4294989" y="3244334"/>
+            <a:ext cx="3403817" cy="369332"/>
           </a:xfrm>
           <a:prstGeom prst="rect">
             <a:avLst/>
@@ -2438,10 +2438,10 @@
           <a:lstStyle/>
           <a:p>
             <a:r>
-              <a:rPr lang="ko-KR" altLang="en-US">
+              <a:rPr lang="en-US" altLang="ko-KR" dirty="0">
                 <a:hlinkClick r:id="rId2"/>
               </a:rPr>
-              <a:t>https://www.youtube.com/watch?v=tnDuCUsiYcI</a:t>
+              <a:t>https://youtu.be/aKe38vRvUQE</a:t>
             </a:r>
             <a:endParaRPr lang="ko-KR" altLang="en-US" dirty="0"/>
           </a:p>
@@ -9095,16 +9095,15 @@
           </p:cNvPicPr>
           <p:nvPr/>
         </p:nvPicPr>
-        <p:blipFill>
+        <p:blipFill rotWithShape="1">
           <a:blip r:embed="rId3"/>
-          <a:stretch>
-            <a:fillRect/>
-          </a:stretch>
+          <a:srcRect t="546" b="856"/>
+          <a:stretch/>
         </p:blipFill>
         <p:spPr>
           <a:xfrm>
-            <a:off x="148997" y="1091667"/>
-            <a:ext cx="11958283" cy="4844054"/>
+            <a:off x="148997" y="1118139"/>
+            <a:ext cx="11958283" cy="4776123"/>
           </a:xfrm>
           <a:prstGeom prst="rect">
             <a:avLst/>
